--- a/chapters/5/chap5.pptx
+++ b/chapters/5/chap5.pptx
@@ -1822,7 +1822,7 @@
               <a:pPr>
                 <a:defRPr/>
               </a:pPr>
-              <a:t>4/16/14</a:t>
+              <a:t>5/7/14</a:t>
             </a:fld>
             <a:endParaRPr lang="zh-CN" altLang="en-US"/>
           </a:p>
@@ -2021,7 +2021,7 @@
               <a:pPr>
                 <a:defRPr/>
               </a:pPr>
-              <a:t>4/16/14</a:t>
+              <a:t>5/7/14</a:t>
             </a:fld>
             <a:endParaRPr lang="zh-CN" altLang="en-US"/>
           </a:p>
@@ -2234,7 +2234,7 @@
               <a:pPr>
                 <a:defRPr/>
               </a:pPr>
-              <a:t>4/16/14</a:t>
+              <a:t>5/7/14</a:t>
             </a:fld>
             <a:endParaRPr lang="zh-CN" altLang="en-US"/>
           </a:p>
@@ -2504,7 +2504,7 @@
               <a:pPr>
                 <a:defRPr/>
               </a:pPr>
-              <a:t>4/16/14</a:t>
+              <a:t>5/7/14</a:t>
             </a:fld>
             <a:endParaRPr lang="zh-CN" altLang="en-US"/>
           </a:p>
@@ -2759,7 +2759,7 @@
               <a:pPr>
                 <a:defRPr/>
               </a:pPr>
-              <a:t>4/16/14</a:t>
+              <a:t>5/7/14</a:t>
             </a:fld>
             <a:endParaRPr lang="zh-CN" altLang="en-US"/>
           </a:p>
@@ -2980,7 +2980,7 @@
               <a:pPr>
                 <a:defRPr/>
               </a:pPr>
-              <a:t>4/16/14</a:t>
+              <a:t>5/7/14</a:t>
             </a:fld>
             <a:endParaRPr lang="zh-CN" altLang="en-US"/>
           </a:p>
@@ -3301,7 +3301,7 @@
               <a:pPr>
                 <a:defRPr/>
               </a:pPr>
-              <a:t>4/16/14</a:t>
+              <a:t>5/7/14</a:t>
             </a:fld>
             <a:endParaRPr lang="zh-CN" altLang="en-US"/>
           </a:p>
@@ -3761,7 +3761,7 @@
               <a:pPr>
                 <a:defRPr/>
               </a:pPr>
-              <a:t>4/16/14</a:t>
+              <a:t>5/7/14</a:t>
             </a:fld>
             <a:endParaRPr lang="zh-CN" altLang="en-US"/>
           </a:p>
@@ -3912,7 +3912,7 @@
               <a:pPr>
                 <a:defRPr/>
               </a:pPr>
-              <a:t>4/16/14</a:t>
+              <a:t>5/7/14</a:t>
             </a:fld>
             <a:endParaRPr lang="zh-CN" altLang="en-US"/>
           </a:p>
@@ -4040,7 +4040,7 @@
               <a:pPr>
                 <a:defRPr/>
               </a:pPr>
-              <a:t>4/16/14</a:t>
+              <a:t>5/7/14</a:t>
             </a:fld>
             <a:endParaRPr lang="zh-CN" altLang="en-US"/>
           </a:p>
@@ -4350,7 +4350,7 @@
               <a:pPr>
                 <a:defRPr/>
               </a:pPr>
-              <a:t>4/16/14</a:t>
+              <a:t>5/7/14</a:t>
             </a:fld>
             <a:endParaRPr lang="zh-CN" altLang="en-US"/>
           </a:p>
@@ -4641,7 +4641,7 @@
               <a:pPr>
                 <a:defRPr/>
               </a:pPr>
-              <a:t>4/16/14</a:t>
+              <a:t>5/7/14</a:t>
             </a:fld>
             <a:endParaRPr lang="zh-CN" altLang="en-US"/>
           </a:p>
@@ -4998,7 +4998,7 @@
               <a:pPr>
                 <a:defRPr/>
               </a:pPr>
-              <a:t>4/16/14</a:t>
+              <a:t>5/7/14</a:t>
             </a:fld>
             <a:endParaRPr lang="zh-CN" altLang="en-US"/>
           </a:p>
@@ -6960,15 +6960,7 @@
           <a:lstStyle/>
           <a:p>
             <a:r>
-              <a:rPr kumimoji="1" lang="en-US" altLang="zh-CN" dirty="0" smtClean="0">
-                <a:latin typeface="Kai" charset="0"/>
-                <a:ea typeface="Kai" charset="0"/>
-                <a:cs typeface="Kai" charset="0"/>
-              </a:rPr>
-              <a:t>Android</a:t>
-            </a:r>
-            <a:r>
-              <a:rPr kumimoji="1" lang="zh-CN" altLang="en-US" dirty="0" smtClean="0">
+              <a:rPr kumimoji="1" lang="zh-CN" altLang="en-US" smtClean="0">
                 <a:latin typeface="Kai" charset="0"/>
                 <a:ea typeface="Kai" charset="0"/>
                 <a:cs typeface="Kai" charset="0"/>
@@ -7834,23 +7826,7 @@
                 <a:ea typeface="Kai" charset="0"/>
                 <a:cs typeface="Kai" charset="0"/>
               </a:rPr>
-              <a:t>读取</a:t>
-            </a:r>
-            <a:r>
-              <a:rPr lang="zh-CN" altLang="en-US" dirty="0" smtClean="0">
-                <a:latin typeface="Kai" charset="0"/>
-                <a:ea typeface="Kai" charset="0"/>
-                <a:cs typeface="Kai" charset="0"/>
-              </a:rPr>
-              <a:t>资源中的静态</a:t>
-            </a:r>
-            <a:r>
-              <a:rPr lang="zh-CN" altLang="en-US" dirty="0" smtClean="0">
-                <a:latin typeface="Kai" charset="0"/>
-                <a:ea typeface="Kai" charset="0"/>
-                <a:cs typeface="Kai" charset="0"/>
-              </a:rPr>
-              <a:t>文</a:t>
+              <a:t>读取资源中的静态文</a:t>
             </a:r>
             <a:r>
               <a:rPr lang="zh-CN" altLang="en-US" dirty="0">
@@ -8321,11 +8297,7 @@
             </a:pPr>
             <a:r>
               <a:rPr lang="zh-CN" altLang="en-US" dirty="0"/>
-              <a:t>在某些情况下</a:t>
-            </a:r>
-            <a:r>
-              <a:rPr lang="zh-CN" altLang="en-US" dirty="0"/>
-              <a:t>，文件不是有效的</a:t>
+              <a:t>在某些情况下，文件不是有效的</a:t>
             </a:r>
           </a:p>
           <a:p>
@@ -8336,11 +8308,7 @@
             </a:pPr>
             <a:r>
               <a:rPr lang="zh-CN" altLang="en-US" dirty="0"/>
-              <a:t>如果多线程数据访问是相关</a:t>
-            </a:r>
-            <a:r>
-              <a:rPr lang="zh-CN" altLang="en-US" dirty="0"/>
-              <a:t>的</a:t>
+              <a:t>如果多线程数据访问是相关的</a:t>
             </a:r>
           </a:p>
           <a:p>
@@ -8351,11 +8319,7 @@
             </a:pPr>
             <a:r>
               <a:rPr lang="zh-CN" altLang="en-US" dirty="0"/>
-              <a:t>如果应用程序处理可能变化</a:t>
-            </a:r>
-            <a:r>
-              <a:rPr lang="zh-CN" altLang="en-US" dirty="0"/>
-              <a:t>的复杂数据结构</a:t>
+              <a:t>如果应用程序处理可能变化的复杂数据结构</a:t>
             </a:r>
           </a:p>
           <a:p>
@@ -8366,11 +8330,7 @@
             </a:pPr>
             <a:r>
               <a:rPr lang="zh-CN" altLang="en-US" dirty="0"/>
-              <a:t>等</a:t>
-            </a:r>
-            <a:r>
-              <a:rPr lang="zh-CN" altLang="en-US" dirty="0"/>
-              <a:t>等</a:t>
+              <a:t>等等</a:t>
             </a:r>
           </a:p>
           <a:p>
@@ -8385,11 +8345,7 @@
             </a:r>
             <a:r>
               <a:rPr lang="en-US" altLang="zh-CN" dirty="0"/>
-              <a:t>SQLite</a:t>
-            </a:r>
-            <a:r>
-              <a:rPr lang="en-US" altLang="zh-CN" dirty="0"/>
-              <a:t> </a:t>
+              <a:t>SQLite </a:t>
             </a:r>
             <a:r>
               <a:rPr lang="zh-CN" altLang="en-US" dirty="0"/>
@@ -8423,11 +8379,7 @@
             </a:pPr>
             <a:r>
               <a:rPr lang="zh-CN" altLang="en-US" dirty="0"/>
-              <a:t>数据库不应该</a:t>
-            </a:r>
-            <a:r>
-              <a:rPr lang="zh-CN" altLang="en-US" dirty="0"/>
-              <a:t>用来存贮文件</a:t>
+              <a:t>数据库不应该用来存贮文件</a:t>
             </a:r>
           </a:p>
           <a:p>
@@ -8800,15 +8752,7 @@
                 <a:ea typeface="Kai" charset="0"/>
                 <a:cs typeface="Kai" charset="0"/>
               </a:rPr>
-              <a:t>SharePreference</a:t>
-            </a:r>
-            <a:r>
-              <a:rPr lang="en-US" altLang="zh-CN" dirty="0" err="1" smtClean="0">
-                <a:latin typeface="Kai" charset="0"/>
-                <a:ea typeface="Kai" charset="0"/>
-                <a:cs typeface="Kai" charset="0"/>
-              </a:rPr>
-              <a:t>s</a:t>
+              <a:t>SharePreferences</a:t>
             </a:r>
             <a:endParaRPr lang="en-US" altLang="zh-CN" dirty="0">
               <a:latin typeface="Kai" charset="0"/>
@@ -8864,15 +8808,7 @@
                 <a:ea typeface="Kai" charset="0"/>
                 <a:cs typeface="Kai" charset="0"/>
               </a:rPr>
-              <a:t>。</a:t>
-            </a:r>
-            <a:r>
-              <a:rPr lang="zh-CN" altLang="en-US" dirty="0" smtClean="0">
-                <a:latin typeface="Kai" charset="0"/>
-                <a:ea typeface="Kai" charset="0"/>
-                <a:cs typeface="Kai" charset="0"/>
-              </a:rPr>
-              <a:t>存储小数据。</a:t>
+              <a:t>。存储小数据。</a:t>
             </a:r>
             <a:endParaRPr lang="en-US" altLang="zh-CN" dirty="0">
               <a:latin typeface="Kai" charset="0"/>
@@ -9024,15 +8960,7 @@
                 <a:ea typeface="Kai" charset="0"/>
                 <a:cs typeface="Kai" charset="0"/>
               </a:rPr>
-              <a:t>。</a:t>
-            </a:r>
-            <a:r>
-              <a:rPr lang="zh-CN" altLang="en-US" dirty="0" smtClean="0">
-                <a:latin typeface="Kai" charset="0"/>
-                <a:ea typeface="Kai" charset="0"/>
-                <a:cs typeface="Kai" charset="0"/>
-              </a:rPr>
-              <a:t>存储结构化的私有数据。</a:t>
+              <a:t>。存储结构化的私有数据。</a:t>
             </a:r>
             <a:endParaRPr lang="en-US" altLang="zh-CN" dirty="0">
               <a:latin typeface="Kai" charset="0"/>
